--- a/Sem-1/Subjects/S-23_SSZG553_Real Time Systems/Lectures/L-1 Introduction to RTS/BITS ZG553 Real Time Systems L-1a KGK.pptx
+++ b/Sem-1/Subjects/S-23_SSZG553_Real Time Systems/Lectures/L-1 Introduction to RTS/BITS ZG553 Real Time Systems L-1a KGK.pptx
@@ -169,10 +169,6 @@
 </p:presentation>
 </file>
 
-<file path=ppt/revisionInfo.xml><?xml version="1.0" encoding="utf-8"?>
-<p1510:revInfo xmlns:a="http://schemas.openxmlformats.org/drawingml/2006/main" xmlns:r="http://schemas.openxmlformats.org/officeDocument/2006/relationships" xmlns:p1510="http://schemas.microsoft.com/office/powerpoint/2015/10/main"/>
-</file>
-
 <file path=ppt/notesMasters/notesMaster1.xml><?xml version="1.0" encoding="utf-8"?>
 <p:notesMaster xmlns:a="http://schemas.openxmlformats.org/drawingml/2006/main" xmlns:r="http://schemas.openxmlformats.org/officeDocument/2006/relationships" xmlns:p="http://schemas.openxmlformats.org/presentationml/2006/main">
   <p:cSld>
@@ -255,7 +251,7 @@
           <a:p>
             <a:fld id="{7554E17E-ACDA-4D33-BCAE-677FB616DBEF}" type="datetimeFigureOut">
               <a:rPr lang="en-IN" smtClean="0"/>
-              <a:t>04-08-2023</a:t>
+              <a:t>14-03-2024</a:t>
             </a:fld>
             <a:endParaRPr lang="en-IN"/>
           </a:p>
@@ -2976,7 +2972,7 @@
           <a:p>
             <a:fld id="{4DDDFA24-13CF-471E-B717-8ADFC59956B5}" type="datetimeFigureOut">
               <a:rPr lang="en-US" smtClean="0"/>
-              <a:t>8/4/2023</a:t>
+              <a:t>14-03-2024</a:t>
             </a:fld>
             <a:endParaRPr lang="en-US"/>
           </a:p>
@@ -3442,7 +3438,7 @@
           <a:p>
             <a:fld id="{12CFB609-D081-4568-A9C7-AE115F3153DD}" type="datetime1">
               <a:rPr lang="en-US" smtClean="0"/>
-              <a:t>8/4/2023</a:t>
+              <a:t>14-03-2024</a:t>
             </a:fld>
             <a:endParaRPr lang="en-US"/>
           </a:p>
@@ -3888,7 +3884,7 @@
           <a:p>
             <a:fld id="{B5B3F987-70E8-44C7-9984-44CAFBD6B0CA}" type="datetime1">
               <a:rPr lang="en-US" smtClean="0"/>
-              <a:t>8/4/2023</a:t>
+              <a:t>14-03-2024</a:t>
             </a:fld>
             <a:endParaRPr lang="en-US"/>
           </a:p>
@@ -4061,7 +4057,7 @@
           <a:p>
             <a:fld id="{F848058F-70A0-4F7B-BD75-778EA80A5500}" type="datetime1">
               <a:rPr lang="en-US" smtClean="0"/>
-              <a:t>8/4/2023</a:t>
+              <a:t>14-03-2024</a:t>
             </a:fld>
             <a:endParaRPr lang="en-US"/>
           </a:p>
@@ -4389,7 +4385,7 @@
           <a:p>
             <a:fld id="{32930B89-1814-404B-9852-537DA80BBE7F}" type="datetime1">
               <a:rPr lang="en-US" smtClean="0"/>
-              <a:t>8/4/2023</a:t>
+              <a:t>14-03-2024</a:t>
             </a:fld>
             <a:endParaRPr lang="en-US"/>
           </a:p>
@@ -5348,7 +5344,7 @@
             </a:ln>
             <a:extLst>
               <a:ext uri="{91240B29-F687-4f45-9708-019B960494DF}">
-                <a14:hiddenLine xmlns:a14="http://schemas.microsoft.com/office/drawing/2010/main" xmlns="" w="9525">
+                <a14:hiddenLine xmlns="" xmlns:a14="http://schemas.microsoft.com/office/drawing/2010/main" w="9525">
                   <a:solidFill>
                     <a:srgbClr val="000000"/>
                   </a:solidFill>
@@ -5538,7 +5534,7 @@
           <a:p>
             <a:fld id="{C22718D4-E1C5-49C0-93BF-1C572124CF8B}" type="datetime1">
               <a:rPr lang="en-US" smtClean="0"/>
-              <a:t>8/4/2023</a:t>
+              <a:t>14-03-2024</a:t>
             </a:fld>
             <a:endParaRPr lang="en-US"/>
           </a:p>
@@ -5672,7 +5668,7 @@
           <a:p>
             <a:fld id="{2C0A34B1-7F69-44AE-80A2-3470E0864ACD}" type="datetime1">
               <a:rPr lang="en-US" smtClean="0"/>
-              <a:t>8/4/2023</a:t>
+              <a:t>14-03-2024</a:t>
             </a:fld>
             <a:endParaRPr lang="en-US"/>
           </a:p>
@@ -6159,7 +6155,7 @@
           </a:lstStyle>
           <a:p>
             <a:r>
-              <a:rPr lang="en-US" smtClean="0"/>
+              <a:rPr lang="en-US"/>
               <a:t>Click to edit Master title style</a:t>
             </a:r>
             <a:endParaRPr lang="en-US" dirty="0"/>
@@ -7122,14 +7118,14 @@
           <a:p>
             <a:pPr lvl="0"/>
             <a:r>
-              <a:rPr lang="en-US" smtClean="0"/>
+              <a:rPr lang="en-US"/>
               <a:t>Click to edit Master text styles</a:t>
             </a:r>
           </a:p>
           <a:p>
             <a:pPr lvl="1"/>
             <a:r>
-              <a:rPr lang="en-US" smtClean="0"/>
+              <a:rPr lang="en-US"/>
               <a:t>Second level</a:t>
             </a:r>
           </a:p>
@@ -7169,7 +7165,7 @@
           </a:lstStyle>
           <a:p>
             <a:r>
-              <a:rPr lang="en-US" smtClean="0"/>
+              <a:rPr lang="en-US"/>
               <a:t>Click to edit Master title style</a:t>
             </a:r>
             <a:endParaRPr lang="en-US" dirty="0"/>
@@ -7861,38 +7857,38 @@
           <a:p>
             <a:pPr lvl="0"/>
             <a:r>
-              <a:rPr lang="en-US" noProof="0" smtClean="0"/>
+              <a:rPr lang="en-US" noProof="0"/>
               <a:t>Click to edit Master text styles</a:t>
             </a:r>
           </a:p>
           <a:p>
             <a:pPr lvl="1"/>
             <a:r>
-              <a:rPr lang="en-US" noProof="0" smtClean="0"/>
+              <a:rPr lang="en-US" noProof="0"/>
               <a:t>Second level</a:t>
             </a:r>
           </a:p>
           <a:p>
             <a:pPr lvl="2"/>
             <a:r>
-              <a:rPr lang="en-US" noProof="0" smtClean="0"/>
+              <a:rPr lang="en-US" noProof="0"/>
               <a:t>Third level</a:t>
             </a:r>
           </a:p>
           <a:p>
             <a:pPr lvl="3"/>
             <a:r>
-              <a:rPr lang="en-US" noProof="0" smtClean="0"/>
+              <a:rPr lang="en-US" noProof="0"/>
               <a:t>Fourth level</a:t>
             </a:r>
           </a:p>
           <a:p>
             <a:pPr lvl="4"/>
             <a:r>
-              <a:rPr lang="en-US" noProof="0" smtClean="0"/>
+              <a:rPr lang="en-US" noProof="0"/>
               <a:t>Fifth level</a:t>
             </a:r>
-            <a:endParaRPr lang="en-US" dirty="0" smtClean="0"/>
+            <a:endParaRPr lang="en-US" dirty="0"/>
           </a:p>
         </p:txBody>
       </p:sp>
@@ -7934,7 +7930,7 @@
           <a:p>
             <a:pPr lvl="0"/>
             <a:r>
-              <a:rPr lang="en-US" smtClean="0"/>
+              <a:rPr lang="en-US"/>
               <a:t>Click to edit Master text styles</a:t>
             </a:r>
           </a:p>
@@ -8470,38 +8466,38 @@
           <a:p>
             <a:pPr lvl="0"/>
             <a:r>
-              <a:rPr lang="en-US" noProof="0" smtClean="0"/>
+              <a:rPr lang="en-US" noProof="0"/>
               <a:t>Click to edit Master text styles</a:t>
             </a:r>
           </a:p>
           <a:p>
             <a:pPr lvl="1"/>
             <a:r>
-              <a:rPr lang="en-US" noProof="0" smtClean="0"/>
+              <a:rPr lang="en-US" noProof="0"/>
               <a:t>Second level</a:t>
             </a:r>
           </a:p>
           <a:p>
             <a:pPr lvl="2"/>
             <a:r>
-              <a:rPr lang="en-US" noProof="0" smtClean="0"/>
+              <a:rPr lang="en-US" noProof="0"/>
               <a:t>Third level</a:t>
             </a:r>
           </a:p>
           <a:p>
             <a:pPr lvl="3"/>
             <a:r>
-              <a:rPr lang="en-US" noProof="0" smtClean="0"/>
+              <a:rPr lang="en-US" noProof="0"/>
               <a:t>Fourth level</a:t>
             </a:r>
           </a:p>
           <a:p>
             <a:pPr lvl="4"/>
             <a:r>
-              <a:rPr lang="en-US" noProof="0" smtClean="0"/>
+              <a:rPr lang="en-US" noProof="0"/>
               <a:t>Fifth level</a:t>
             </a:r>
-            <a:endParaRPr lang="en-US" dirty="0" smtClean="0"/>
+            <a:endParaRPr lang="en-US" dirty="0"/>
           </a:p>
         </p:txBody>
       </p:sp>
@@ -8588,38 +8584,38 @@
           <a:p>
             <a:pPr lvl="0"/>
             <a:r>
-              <a:rPr lang="en-US" noProof="0" smtClean="0"/>
+              <a:rPr lang="en-US" noProof="0"/>
               <a:t>Click to edit Master text styles</a:t>
             </a:r>
           </a:p>
           <a:p>
             <a:pPr lvl="1"/>
             <a:r>
-              <a:rPr lang="en-US" noProof="0" smtClean="0"/>
+              <a:rPr lang="en-US" noProof="0"/>
               <a:t>Second level</a:t>
             </a:r>
           </a:p>
           <a:p>
             <a:pPr lvl="2"/>
             <a:r>
-              <a:rPr lang="en-US" noProof="0" smtClean="0"/>
+              <a:rPr lang="en-US" noProof="0"/>
               <a:t>Third level</a:t>
             </a:r>
           </a:p>
           <a:p>
             <a:pPr lvl="3"/>
             <a:r>
-              <a:rPr lang="en-US" noProof="0" smtClean="0"/>
+              <a:rPr lang="en-US" noProof="0"/>
               <a:t>Fourth level</a:t>
             </a:r>
           </a:p>
           <a:p>
             <a:pPr lvl="4"/>
             <a:r>
-              <a:rPr lang="en-US" noProof="0" smtClean="0"/>
+              <a:rPr lang="en-US" noProof="0"/>
               <a:t>Fifth level</a:t>
             </a:r>
-            <a:endParaRPr lang="en-US" dirty="0" smtClean="0"/>
+            <a:endParaRPr lang="en-US" dirty="0"/>
           </a:p>
         </p:txBody>
       </p:sp>
@@ -8661,7 +8657,7 @@
           <a:p>
             <a:pPr lvl="0"/>
             <a:r>
-              <a:rPr lang="en-US" smtClean="0"/>
+              <a:rPr lang="en-US"/>
               <a:t>Click to edit Master text styles</a:t>
             </a:r>
           </a:p>
@@ -9176,7 +9172,7 @@
           <a:p>
             <a:pPr lvl="0"/>
             <a:r>
-              <a:rPr lang="en-US" smtClean="0"/>
+              <a:rPr lang="en-US"/>
               <a:t>Click to edit Master text styles</a:t>
             </a:r>
           </a:p>
@@ -9232,38 +9228,37 @@
           <a:p>
             <a:pPr lvl="0"/>
             <a:r>
-              <a:rPr lang="en-US" smtClean="0"/>
+              <a:rPr lang="en-US"/>
               <a:t>Click to edit Master text styles</a:t>
             </a:r>
           </a:p>
           <a:p>
             <a:pPr lvl="1"/>
             <a:r>
-              <a:rPr lang="en-US" smtClean="0"/>
+              <a:rPr lang="en-US"/>
               <a:t>Second level</a:t>
             </a:r>
           </a:p>
           <a:p>
             <a:pPr lvl="2"/>
             <a:r>
-              <a:rPr lang="en-US" smtClean="0"/>
+              <a:rPr lang="en-US"/>
               <a:t>Third level</a:t>
             </a:r>
           </a:p>
           <a:p>
             <a:pPr lvl="3"/>
             <a:r>
-              <a:rPr lang="en-US" smtClean="0"/>
+              <a:rPr lang="en-US"/>
               <a:t>Fourth level</a:t>
             </a:r>
           </a:p>
           <a:p>
             <a:pPr lvl="4"/>
             <a:r>
-              <a:rPr lang="en-US" smtClean="0"/>
+              <a:rPr lang="en-US"/>
               <a:t>Fifth level</a:t>
             </a:r>
-            <a:endParaRPr lang="en-US"/>
           </a:p>
         </p:txBody>
       </p:sp>
@@ -9326,7 +9321,7 @@
           <a:p>
             <a:pPr lvl="0"/>
             <a:r>
-              <a:rPr lang="en-US" smtClean="0"/>
+              <a:rPr lang="en-US"/>
               <a:t>Click to edit Master text styles</a:t>
             </a:r>
           </a:p>
@@ -9382,38 +9377,37 @@
           <a:p>
             <a:pPr lvl="0"/>
             <a:r>
-              <a:rPr lang="en-US" smtClean="0"/>
+              <a:rPr lang="en-US"/>
               <a:t>Click to edit Master text styles</a:t>
             </a:r>
           </a:p>
           <a:p>
             <a:pPr lvl="1"/>
             <a:r>
-              <a:rPr lang="en-US" smtClean="0"/>
+              <a:rPr lang="en-US"/>
               <a:t>Second level</a:t>
             </a:r>
           </a:p>
           <a:p>
             <a:pPr lvl="2"/>
             <a:r>
-              <a:rPr lang="en-US" smtClean="0"/>
+              <a:rPr lang="en-US"/>
               <a:t>Third level</a:t>
             </a:r>
           </a:p>
           <a:p>
             <a:pPr lvl="3"/>
             <a:r>
-              <a:rPr lang="en-US" smtClean="0"/>
+              <a:rPr lang="en-US"/>
               <a:t>Fourth level</a:t>
             </a:r>
           </a:p>
           <a:p>
             <a:pPr lvl="4"/>
             <a:r>
-              <a:rPr lang="en-US" smtClean="0"/>
+              <a:rPr lang="en-US"/>
               <a:t>Fifth level</a:t>
             </a:r>
-            <a:endParaRPr lang="en-US"/>
           </a:p>
         </p:txBody>
       </p:sp>
@@ -9455,7 +9449,7 @@
           <a:p>
             <a:pPr lvl="0"/>
             <a:r>
-              <a:rPr lang="en-US" smtClean="0"/>
+              <a:rPr lang="en-US"/>
               <a:t>Click to edit Master text styles</a:t>
             </a:r>
           </a:p>
@@ -9949,7 +9943,7 @@
           <a:p>
             <a:pPr lvl="0"/>
             <a:r>
-              <a:rPr lang="en-US" smtClean="0"/>
+              <a:rPr lang="en-US"/>
               <a:t>Click to edit Master text styles</a:t>
             </a:r>
           </a:p>
@@ -10455,38 +10449,37 @@
           <a:p>
             <a:pPr lvl="0"/>
             <a:r>
-              <a:rPr lang="en-US" smtClean="0"/>
+              <a:rPr lang="en-US"/>
               <a:t>Click to edit Master text styles</a:t>
             </a:r>
           </a:p>
           <a:p>
             <a:pPr lvl="1"/>
             <a:r>
-              <a:rPr lang="en-US" smtClean="0"/>
+              <a:rPr lang="en-US"/>
               <a:t>Second level</a:t>
             </a:r>
           </a:p>
           <a:p>
             <a:pPr lvl="2"/>
             <a:r>
-              <a:rPr lang="en-US" smtClean="0"/>
+              <a:rPr lang="en-US"/>
               <a:t>Third level</a:t>
             </a:r>
           </a:p>
           <a:p>
             <a:pPr lvl="3"/>
             <a:r>
-              <a:rPr lang="en-US" smtClean="0"/>
+              <a:rPr lang="en-US"/>
               <a:t>Fourth level</a:t>
             </a:r>
           </a:p>
           <a:p>
             <a:pPr lvl="4"/>
             <a:r>
-              <a:rPr lang="en-US" smtClean="0"/>
+              <a:rPr lang="en-US"/>
               <a:t>Fifth level</a:t>
             </a:r>
-            <a:endParaRPr lang="en-US"/>
           </a:p>
         </p:txBody>
       </p:sp>
@@ -10549,7 +10542,7 @@
           <a:p>
             <a:pPr lvl="0"/>
             <a:r>
-              <a:rPr lang="en-US" smtClean="0"/>
+              <a:rPr lang="en-US"/>
               <a:t>Click to edit Master text styles</a:t>
             </a:r>
           </a:p>
@@ -10593,7 +10586,7 @@
           <a:p>
             <a:pPr lvl="0"/>
             <a:r>
-              <a:rPr lang="en-US" smtClean="0"/>
+              <a:rPr lang="en-US"/>
               <a:t>Click to edit Master text styles</a:t>
             </a:r>
           </a:p>
@@ -11074,10 +11067,9 @@
           </a:lstStyle>
           <a:p>
             <a:r>
-              <a:rPr lang="en-US" dirty="0" smtClean="0"/>
+              <a:rPr lang="en-US" dirty="0"/>
               <a:t>Click to edit Master title style</a:t>
             </a:r>
-            <a:endParaRPr lang="en-US" dirty="0"/>
           </a:p>
         </p:txBody>
       </p:sp>
@@ -11226,7 +11218,7 @@
           <a:p>
             <a:pPr lvl="0"/>
             <a:r>
-              <a:rPr lang="en-US" dirty="0" smtClean="0"/>
+              <a:rPr lang="en-US" dirty="0"/>
               <a:t>Click to edit Master text styles</a:t>
             </a:r>
           </a:p>
@@ -11270,7 +11262,7 @@
           <a:p>
             <a:pPr lvl="0"/>
             <a:r>
-              <a:rPr lang="en-US" smtClean="0"/>
+              <a:rPr lang="en-US"/>
               <a:t>Click to edit Master text styles</a:t>
             </a:r>
           </a:p>
@@ -11743,38 +11735,37 @@
           <a:p>
             <a:pPr lvl="0"/>
             <a:r>
-              <a:rPr lang="en-US" smtClean="0"/>
+              <a:rPr lang="en-US"/>
               <a:t>Click to edit Master text styles</a:t>
             </a:r>
           </a:p>
           <a:p>
             <a:pPr lvl="1"/>
             <a:r>
-              <a:rPr lang="en-US" smtClean="0"/>
+              <a:rPr lang="en-US"/>
               <a:t>Second level</a:t>
             </a:r>
           </a:p>
           <a:p>
             <a:pPr lvl="2"/>
             <a:r>
-              <a:rPr lang="en-US" smtClean="0"/>
+              <a:rPr lang="en-US"/>
               <a:t>Third level</a:t>
             </a:r>
           </a:p>
           <a:p>
             <a:pPr lvl="3"/>
             <a:r>
-              <a:rPr lang="en-US" smtClean="0"/>
+              <a:rPr lang="en-US"/>
               <a:t>Fourth level</a:t>
             </a:r>
           </a:p>
           <a:p>
             <a:pPr lvl="4"/>
             <a:r>
-              <a:rPr lang="en-US" smtClean="0"/>
+              <a:rPr lang="en-US"/>
               <a:t>Fifth level</a:t>
             </a:r>
-            <a:endParaRPr lang="en-US"/>
           </a:p>
         </p:txBody>
       </p:sp>
@@ -11816,7 +11807,7 @@
           <a:p>
             <a:pPr lvl="0"/>
             <a:r>
-              <a:rPr lang="en-US" smtClean="0"/>
+              <a:rPr lang="en-US"/>
               <a:t>Click to edit Master text styles</a:t>
             </a:r>
           </a:p>
@@ -12124,38 +12115,37 @@
           <a:p>
             <a:pPr lvl="0"/>
             <a:r>
-              <a:rPr lang="en-US" smtClean="0"/>
+              <a:rPr lang="en-US"/>
               <a:t>Click to edit Master text styles</a:t>
             </a:r>
           </a:p>
           <a:p>
             <a:pPr lvl="1"/>
             <a:r>
-              <a:rPr lang="en-US" smtClean="0"/>
+              <a:rPr lang="en-US"/>
               <a:t>Second level</a:t>
             </a:r>
           </a:p>
           <a:p>
             <a:pPr lvl="2"/>
             <a:r>
-              <a:rPr lang="en-US" smtClean="0"/>
+              <a:rPr lang="en-US"/>
               <a:t>Third level</a:t>
             </a:r>
           </a:p>
           <a:p>
             <a:pPr lvl="3"/>
             <a:r>
-              <a:rPr lang="en-US" smtClean="0"/>
+              <a:rPr lang="en-US"/>
               <a:t>Fourth level</a:t>
             </a:r>
           </a:p>
           <a:p>
             <a:pPr lvl="4"/>
             <a:r>
-              <a:rPr lang="en-US" smtClean="0"/>
+              <a:rPr lang="en-US"/>
               <a:t>Fifth level</a:t>
             </a:r>
-            <a:endParaRPr lang="en-US"/>
           </a:p>
         </p:txBody>
       </p:sp>
@@ -12197,7 +12187,7 @@
           <a:p>
             <a:pPr lvl="0"/>
             <a:r>
-              <a:rPr lang="en-US" smtClean="0"/>
+              <a:rPr lang="en-US"/>
               <a:t>Click to edit Master text styles</a:t>
             </a:r>
           </a:p>
@@ -24005,7 +23995,7 @@
           <a:lstStyle/>
           <a:p>
             <a:r>
-              <a:rPr lang="te-IN" smtClean="0"/>
+              <a:rPr lang="te-IN"/>
               <a:t>ఇక్కడ సంకలనం చేయండి</a:t>
             </a:r>
             <a:endParaRPr lang="en-IN"/>
@@ -29637,10 +29627,9 @@
           <a:lstStyle/>
           <a:p>
             <a:r>
-              <a:rPr lang="en-US" dirty="0" smtClean="0"/>
+              <a:rPr lang="en-US" dirty="0"/>
               <a:t>Click to edit Master title style</a:t>
             </a:r>
-            <a:endParaRPr lang="en-US" dirty="0"/>
           </a:p>
         </p:txBody>
       </p:sp>
@@ -29680,35 +29669,35 @@
           <a:p>
             <a:pPr lvl="0"/>
             <a:r>
-              <a:rPr lang="en-US" smtClean="0"/>
+              <a:rPr lang="en-US"/>
               <a:t>Click to edit Master text styles</a:t>
             </a:r>
           </a:p>
           <a:p>
             <a:pPr lvl="1"/>
             <a:r>
-              <a:rPr lang="en-US" smtClean="0"/>
+              <a:rPr lang="en-US"/>
               <a:t>Second level</a:t>
             </a:r>
           </a:p>
           <a:p>
             <a:pPr lvl="2"/>
             <a:r>
-              <a:rPr lang="en-US" smtClean="0"/>
+              <a:rPr lang="en-US"/>
               <a:t>Third level</a:t>
             </a:r>
           </a:p>
           <a:p>
             <a:pPr lvl="3"/>
             <a:r>
-              <a:rPr lang="en-US" smtClean="0"/>
+              <a:rPr lang="en-US"/>
               <a:t>Fourth level</a:t>
             </a:r>
           </a:p>
           <a:p>
             <a:pPr lvl="4"/>
             <a:r>
-              <a:rPr lang="en-US" smtClean="0"/>
+              <a:rPr lang="en-US"/>
               <a:t>Fifth level</a:t>
             </a:r>
           </a:p>
@@ -29769,7 +29758,7 @@
               <a:pPr>
                 <a:defRPr/>
               </a:pPr>
-              <a:t>8/4/2023</a:t>
+              <a:t>14-03-2024</a:t>
             </a:fld>
             <a:endParaRPr lang="en-US">
               <a:solidFill>
@@ -30887,14 +30876,13 @@
           <a:lstStyle/>
           <a:p>
             <a:r>
-              <a:rPr lang="en-US" sz="3600" dirty="0" smtClean="0"/>
+              <a:rPr lang="en-US" sz="3600" dirty="0"/>
               <a:t>BITS ZG553: </a:t>
             </a:r>
             <a:r>
-              <a:rPr lang="en-US" sz="3600" b="0" dirty="0" smtClean="0"/>
+              <a:rPr lang="en-US" sz="3600" b="0" dirty="0"/>
               <a:t>Real Time Systems</a:t>
             </a:r>
-            <a:endParaRPr lang="en-US" sz="3600" b="0" dirty="0"/>
           </a:p>
         </p:txBody>
       </p:sp>
@@ -30914,17 +30902,15 @@
           <a:lstStyle/>
           <a:p>
             <a:r>
-              <a:rPr lang="en-US" dirty="0" smtClean="0"/>
+              <a:rPr lang="en-US" dirty="0"/>
               <a:t>K G Krishna</a:t>
             </a:r>
-            <a:endParaRPr lang="en-US" dirty="0"/>
-          </a:p>
-          <a:p>
-            <a:r>
-              <a:rPr lang="en-US" dirty="0" smtClean="0"/>
+          </a:p>
+          <a:p>
+            <a:r>
+              <a:rPr lang="en-US" dirty="0"/>
               <a:t>WILP Division, BITS-Pilani, Hyderabad</a:t>
             </a:r>
-            <a:endParaRPr lang="en-US" dirty="0"/>
           </a:p>
         </p:txBody>
       </p:sp>
@@ -30968,13 +30954,6 @@
   <p:clrMapOvr>
     <a:masterClrMapping/>
   </p:clrMapOvr>
-  <p:timing>
-    <p:tnLst>
-      <p:par>
-        <p:cTn id="1" dur="indefinite" restart="never" nodeType="tmRoot"/>
-      </p:par>
-    </p:tnLst>
-  </p:timing>
 </p:sld>
 </file>
 
@@ -31871,13 +31850,6 @@
   <p:clrMapOvr>
     <a:masterClrMapping/>
   </p:clrMapOvr>
-  <p:timing>
-    <p:tnLst>
-      <p:par>
-        <p:cTn id="1" dur="indefinite" restart="never" nodeType="tmRoot"/>
-      </p:par>
-    </p:tnLst>
-  </p:timing>
 </p:sld>
 </file>
 
@@ -31927,12 +31899,8 @@
           </a:p>
           <a:p>
             <a:r>
-              <a:rPr lang="en-US" altLang="en-US" sz="2800" b="0" dirty="0" smtClean="0"/>
-              <a:t>Process </a:t>
-            </a:r>
-            <a:r>
               <a:rPr lang="en-US" altLang="en-US" sz="2800" b="0" dirty="0"/>
-              <a:t>abstraction for multitasking/concurrency</a:t>
+              <a:t>Process abstraction for multitasking/concurrency</a:t>
             </a:r>
           </a:p>
           <a:p>
@@ -32381,12 +32349,8 @@
           </a:p>
           <a:p>
             <a:r>
-              <a:rPr lang="en-US" altLang="en-US" sz="2800" b="0" dirty="0" smtClean="0"/>
-              <a:t>Simplest </a:t>
-            </a:r>
-            <a:r>
               <a:rPr lang="en-US" altLang="en-US" sz="2800" b="0" dirty="0"/>
-              <a:t>approach: </a:t>
+              <a:t>Simplest approach: </a:t>
             </a:r>
             <a:r>
               <a:rPr lang="en-US" altLang="en-US" sz="2800" dirty="0"/>
@@ -32398,7 +32362,7 @@
               <a:buFont typeface="Wingdings" panose="05000000000000000000" pitchFamily="2" charset="2"/>
               <a:buNone/>
             </a:pPr>
-            <a:endParaRPr lang="en-US" altLang="en-US" sz="2800" b="0" i="1" dirty="0" smtClean="0"/>
+            <a:endParaRPr lang="en-US" altLang="en-US" sz="2800" b="0" i="1" dirty="0"/>
           </a:p>
           <a:p>
             <a:pPr>
@@ -32407,13 +32371,8 @@
             </a:pPr>
             <a:r>
               <a:rPr lang="en-US" altLang="en-US" sz="2800" b="0" i="1" dirty="0"/>
-              <a:t>l</a:t>
-            </a:r>
-            <a:r>
-              <a:rPr lang="en-US" altLang="en-US" sz="2800" b="0" i="1" dirty="0" smtClean="0"/>
-              <a:t>oop</a:t>
-            </a:r>
-            <a:endParaRPr lang="en-US" altLang="en-US" sz="2800" b="0" i="1" dirty="0"/>
+              <a:t>loop</a:t>
+            </a:r>
           </a:p>
           <a:p>
             <a:pPr>
@@ -32479,13 +32438,8 @@
           <a:p>
             <a:r>
               <a:rPr lang="en-US" altLang="en-US" dirty="0"/>
-              <a:t>Do I </a:t>
-            </a:r>
-            <a:r>
-              <a:rPr lang="en-US" altLang="en-US" dirty="0" smtClean="0"/>
-              <a:t>Really Need An OS?</a:t>
-            </a:r>
-            <a:endParaRPr lang="en-US" altLang="en-US" dirty="0"/>
+              <a:t>Do I Really Need An OS?</a:t>
+            </a:r>
           </a:p>
         </p:txBody>
       </p:sp>
@@ -35637,13 +35591,6 @@
   <p:clrMapOvr>
     <a:masterClrMapping/>
   </p:clrMapOvr>
-  <p:timing>
-    <p:tnLst>
-      <p:par>
-        <p:cTn id="1" dur="indefinite" restart="never" nodeType="tmRoot"/>
-      </p:par>
-    </p:tnLst>
-  </p:timing>
 </p:sld>
 </file>
 
@@ -35698,20 +35645,12 @@
               <a:buChar char="o"/>
             </a:pPr>
             <a:r>
-              <a:rPr lang="en-US" altLang="en-US" sz="2400" b="0" dirty="0" smtClean="0">
+              <a:rPr lang="en-US" altLang="en-US" sz="2400" b="0" dirty="0">
                 <a:solidFill>
                   <a:srgbClr val="7030A0"/>
                 </a:solidFill>
               </a:rPr>
-              <a:t>Copy </a:t>
-            </a:r>
-            <a:r>
-              <a:rPr lang="en-US" altLang="en-US" sz="2400" b="0" dirty="0">
-                <a:solidFill>
-                  <a:srgbClr val="7030A0"/>
-                </a:solidFill>
-              </a:rPr>
-              <a:t>peripheral data into a buffer</a:t>
+              <a:t>Copy peripheral data into a buffer</a:t>
             </a:r>
           </a:p>
           <a:p>
@@ -35748,20 +35687,12 @@
               <a:buChar char="o"/>
             </a:pPr>
             <a:r>
-              <a:rPr lang="en-US" altLang="en-US" sz="2400" b="0" dirty="0" smtClean="0">
+              <a:rPr lang="en-US" altLang="en-US" sz="2400" b="0" dirty="0">
                 <a:solidFill>
                   <a:srgbClr val="00B050"/>
                 </a:solidFill>
               </a:rPr>
-              <a:t>Longer </a:t>
-            </a:r>
-            <a:r>
-              <a:rPr lang="en-US" altLang="en-US" sz="2400" b="0" dirty="0">
-                <a:solidFill>
-                  <a:srgbClr val="00B050"/>
-                </a:solidFill>
-              </a:rPr>
-              <a:t>reaction to interrupt performed outside interrupt routine</a:t>
+              <a:t>Longer reaction to interrupt performed outside interrupt routine</a:t>
             </a:r>
           </a:p>
           <a:p>
@@ -36254,13 +36185,6 @@
   <p:clrMapOvr>
     <a:masterClrMapping/>
   </p:clrMapOvr>
-  <p:timing>
-    <p:tnLst>
-      <p:par>
-        <p:cTn id="1" dur="indefinite" restart="never" nodeType="tmRoot"/>
-      </p:par>
-    </p:tnLst>
-  </p:timing>
 </p:sld>
 </file>
 
@@ -36958,10 +36882,9 @@
           <a:lstStyle/>
           <a:p>
             <a:r>
-              <a:rPr lang="en-IN" b="0" dirty="0" smtClean="0"/>
+              <a:rPr lang="en-IN" b="0" dirty="0"/>
               <a:t>RTS Primer – For Light Reading </a:t>
             </a:r>
-            <a:endParaRPr lang="en-IN" b="0" dirty="0"/>
           </a:p>
         </p:txBody>
       </p:sp>
@@ -37040,13 +36963,6 @@
   <p:clrMapOvr>
     <a:masterClrMapping/>
   </p:clrMapOvr>
-  <p:timing>
-    <p:tnLst>
-      <p:par>
-        <p:cTn id="1" dur="indefinite" restart="never" nodeType="tmRoot"/>
-      </p:par>
-    </p:tnLst>
-  </p:timing>
 </p:sld>
 </file>
 
@@ -37262,13 +37178,6 @@
   <p:clrMapOvr>
     <a:masterClrMapping/>
   </p:clrMapOvr>
-  <p:timing>
-    <p:tnLst>
-      <p:par>
-        <p:cTn id="1" dur="indefinite" restart="never" nodeType="tmRoot"/>
-      </p:par>
-    </p:tnLst>
-  </p:timing>
 </p:sld>
 </file>
 
@@ -38251,13 +38160,6 @@
   <p:clrMapOvr>
     <a:masterClrMapping/>
   </p:clrMapOvr>
-  <p:timing>
-    <p:tnLst>
-      <p:par>
-        <p:cTn id="1" dur="indefinite" restart="never" nodeType="tmRoot"/>
-      </p:par>
-    </p:tnLst>
-  </p:timing>
 </p:sld>
 </file>
 
@@ -38532,13 +38434,6 @@
   <p:clrMapOvr>
     <a:masterClrMapping/>
   </p:clrMapOvr>
-  <p:timing>
-    <p:tnLst>
-      <p:par>
-        <p:cTn id="1" dur="indefinite" restart="never" nodeType="tmRoot"/>
-      </p:par>
-    </p:tnLst>
-  </p:timing>
 </p:sld>
 </file>
 
@@ -38707,13 +38602,6 @@
   <p:clrMapOvr>
     <a:masterClrMapping/>
   </p:clrMapOvr>
-  <p:timing>
-    <p:tnLst>
-      <p:par>
-        <p:cTn id="1" dur="indefinite" restart="never" nodeType="tmRoot"/>
-      </p:par>
-    </p:tnLst>
-  </p:timing>
 </p:sld>
 </file>
 
@@ -38968,13 +38856,6 @@
   <p:clrMapOvr>
     <a:masterClrMapping/>
   </p:clrMapOvr>
-  <p:timing>
-    <p:tnLst>
-      <p:par>
-        <p:cTn id="1" dur="indefinite" restart="never" nodeType="tmRoot"/>
-      </p:par>
-    </p:tnLst>
-  </p:timing>
 </p:sld>
 </file>
 
@@ -39054,13 +38935,6 @@
   <p:clrMapOvr>
     <a:masterClrMapping/>
   </p:clrMapOvr>
-  <p:timing>
-    <p:tnLst>
-      <p:par>
-        <p:cTn id="1" dur="indefinite" restart="never" nodeType="tmRoot"/>
-      </p:par>
-    </p:tnLst>
-  </p:timing>
 </p:sld>
 </file>
 
@@ -40023,13 +39897,6 @@
   <p:clrMapOvr>
     <a:masterClrMapping/>
   </p:clrMapOvr>
-  <p:timing>
-    <p:tnLst>
-      <p:par>
-        <p:cTn id="1" dur="indefinite" restart="never" nodeType="tmRoot"/>
-      </p:par>
-    </p:tnLst>
-  </p:timing>
 </p:sld>
 </file>
 
@@ -40106,12 +39973,8 @@
               </a:lnSpc>
             </a:pPr>
             <a:r>
-              <a:rPr lang="en-US" sz="3200" dirty="0" smtClean="0"/>
-              <a:t>L-1a: </a:t>
-            </a:r>
-            <a:r>
-              <a:rPr lang="en-US" sz="3200" dirty="0" smtClean="0"/>
-              <a:t>Real Time Systems -   </a:t>
+              <a:rPr lang="en-US" sz="3200" dirty="0"/>
+              <a:t>L-1a: Real Time Systems -   </a:t>
             </a:r>
           </a:p>
           <a:p>
@@ -40121,24 +39984,8 @@
               </a:lnSpc>
             </a:pPr>
             <a:r>
-              <a:rPr lang="en-US" sz="2400" b="0" dirty="0" smtClean="0"/>
-              <a:t>Overview/</a:t>
-            </a:r>
-            <a:r>
-              <a:rPr lang="en-US" sz="2400" b="0" dirty="0" smtClean="0"/>
-              <a:t>Review </a:t>
-            </a:r>
-            <a:r>
-              <a:rPr lang="en-US" sz="2400" b="0" dirty="0" smtClean="0"/>
-              <a:t>of </a:t>
-            </a:r>
-            <a:r>
-              <a:rPr lang="en-US" sz="2400" b="0" dirty="0" smtClean="0"/>
-              <a:t>OS/RTS </a:t>
-            </a:r>
-            <a:r>
-              <a:rPr lang="en-US" sz="2400" b="0" dirty="0" smtClean="0"/>
-              <a:t>Concepts  </a:t>
+              <a:rPr lang="en-US" sz="2400" b="0" dirty="0"/>
+              <a:t>Overview/Review of OS/RTS Concepts  </a:t>
             </a:r>
           </a:p>
         </p:txBody>
@@ -40166,13 +40013,13 @@
           <a:lstStyle/>
           <a:p>
             <a:r>
-              <a:rPr lang="en-IN" sz="1200" b="1" dirty="0" smtClean="0">
+              <a:rPr lang="en-IN" sz="1200" b="1" dirty="0">
                 <a:latin typeface="Arial Narrow" panose="020B0606020202030204" pitchFamily="34" charset="0"/>
               </a:rPr>
               <a:t>Note</a:t>
             </a:r>
             <a:r>
-              <a:rPr lang="en-IN" sz="1200" dirty="0" smtClean="0">
+              <a:rPr lang="en-IN" sz="1200" dirty="0">
                 <a:latin typeface="Arial Narrow" panose="020B0606020202030204" pitchFamily="34" charset="0"/>
               </a:rPr>
               <a:t>: Students are requested to NOT to rely on PPTs/Recorded sessions as their only source of knowledge, explore sources within your own organization or web for any specific topic; attend classes regularly and involve in discussions; </a:t>
@@ -40181,20 +40028,17 @@
           <a:p>
             <a:pPr algn="ctr"/>
             <a:r>
-              <a:rPr lang="en-IN" sz="1200" b="1" u="sng" dirty="0" smtClean="0">
+              <a:rPr lang="en-IN" sz="1200" b="1" u="sng" dirty="0">
                 <a:latin typeface="Arial Narrow" panose="020B0606020202030204" pitchFamily="34" charset="0"/>
               </a:rPr>
               <a:t>PLEASE DO NOT PRINT PPTs</a:t>
             </a:r>
             <a:r>
-              <a:rPr lang="en-IN" sz="1200" dirty="0" smtClean="0">
+              <a:rPr lang="en-IN" sz="1200" dirty="0">
                 <a:latin typeface="Arial Narrow" panose="020B0606020202030204" pitchFamily="34" charset="0"/>
               </a:rPr>
               <a:t>, Save the Environment!</a:t>
             </a:r>
-            <a:endParaRPr lang="en-IN" sz="1200" dirty="0">
-              <a:latin typeface="Arial Narrow" panose="020B0606020202030204" pitchFamily="34" charset="0"/>
-            </a:endParaRPr>
           </a:p>
         </p:txBody>
       </p:sp>
@@ -40221,42 +40065,33 @@
           <a:lstStyle/>
           <a:p>
             <a:r>
-              <a:rPr lang="en-IN" sz="1000" dirty="0" smtClean="0"/>
+              <a:rPr lang="en-IN" sz="1000" dirty="0"/>
               <a:t>Source PPT </a:t>
             </a:r>
             <a:r>
-              <a:rPr lang="en-IN" sz="1050" dirty="0" smtClean="0"/>
+              <a:rPr lang="en-IN" sz="1050" dirty="0"/>
               <a:t>Courtesy</a:t>
             </a:r>
             <a:r>
-              <a:rPr lang="en-IN" sz="1000" dirty="0" smtClean="0"/>
+              <a:rPr lang="en-IN" sz="1000" dirty="0"/>
               <a:t>: Some of the contents of this PPT is sourced from </a:t>
             </a:r>
             <a:r>
-              <a:rPr lang="en-IN" sz="1000" dirty="0" err="1" smtClean="0"/>
+              <a:rPr lang="en-IN" sz="1000" dirty="0" err="1"/>
               <a:t>Presentatoons</a:t>
             </a:r>
             <a:r>
-              <a:rPr lang="en-IN" sz="1000" dirty="0" smtClean="0"/>
+              <a:rPr lang="en-IN" sz="1000" dirty="0"/>
               <a:t> of  Prof K R </a:t>
             </a:r>
             <a:r>
-              <a:rPr lang="en-IN" sz="1000" dirty="0" err="1" smtClean="0"/>
+              <a:rPr lang="en-IN" sz="1000" dirty="0" err="1"/>
               <a:t>Anupa</a:t>
             </a:r>
             <a:r>
-              <a:rPr lang="en-IN" sz="1000" dirty="0" smtClean="0"/>
-              <a:t>, BITS-Pilani</a:t>
-            </a:r>
-            <a:r>
               <a:rPr lang="en-IN" sz="1000" dirty="0"/>
-              <a:t> </a:t>
-            </a:r>
-            <a:r>
-              <a:rPr lang="en-IN" sz="1000" dirty="0" smtClean="0"/>
-              <a:t>WILP Faculty</a:t>
-            </a:r>
-            <a:endParaRPr lang="en-IN" sz="1000" dirty="0"/>
+              <a:t>, BITS-Pilani WILP Faculty</a:t>
+            </a:r>
           </a:p>
         </p:txBody>
       </p:sp>
@@ -40265,13 +40100,6 @@
   <p:clrMapOvr>
     <a:masterClrMapping/>
   </p:clrMapOvr>
-  <p:timing>
-    <p:tnLst>
-      <p:par>
-        <p:cTn id="1" dur="indefinite" restart="never" nodeType="tmRoot"/>
-      </p:par>
-    </p:tnLst>
-  </p:timing>
 </p:sld>
 </file>
 
@@ -40528,13 +40356,6 @@
   <p:clrMapOvr>
     <a:masterClrMapping/>
   </p:clrMapOvr>
-  <p:timing>
-    <p:tnLst>
-      <p:par>
-        <p:cTn id="1" dur="indefinite" restart="never" nodeType="tmRoot"/>
-      </p:par>
-    </p:tnLst>
-  </p:timing>
 </p:sld>
 </file>
 
@@ -41449,13 +41270,6 @@
   <p:clrMapOvr>
     <a:masterClrMapping/>
   </p:clrMapOvr>
-  <p:timing>
-    <p:tnLst>
-      <p:par>
-        <p:cTn id="1" dur="indefinite" restart="never" nodeType="tmRoot"/>
-      </p:par>
-    </p:tnLst>
-  </p:timing>
 </p:sld>
 </file>
 
@@ -41715,13 +41529,6 @@
   <p:clrMapOvr>
     <a:masterClrMapping/>
   </p:clrMapOvr>
-  <p:timing>
-    <p:tnLst>
-      <p:par>
-        <p:cTn id="1" dur="indefinite" restart="never" nodeType="tmRoot"/>
-      </p:par>
-    </p:tnLst>
-  </p:timing>
 </p:sld>
 </file>
 
@@ -41976,13 +41783,6 @@
   <p:clrMapOvr>
     <a:masterClrMapping/>
   </p:clrMapOvr>
-  <p:timing>
-    <p:tnLst>
-      <p:par>
-        <p:cTn id="1" dur="indefinite" restart="never" nodeType="tmRoot"/>
-      </p:par>
-    </p:tnLst>
-  </p:timing>
 </p:sld>
 </file>
 
@@ -42282,13 +42082,6 @@
   <p:clrMapOvr>
     <a:masterClrMapping/>
   </p:clrMapOvr>
-  <p:timing>
-    <p:tnLst>
-      <p:par>
-        <p:cTn id="1" dur="indefinite" restart="never" nodeType="tmRoot"/>
-      </p:par>
-    </p:tnLst>
-  </p:timing>
 </p:sld>
 </file>
 
@@ -42395,15 +42188,7 @@
             </a:pPr>
             <a:r>
               <a:rPr lang="en-US" altLang="en-US" sz="2400" dirty="0"/>
-              <a:t>IPC requires kernel </a:t>
-            </a:r>
-            <a:r>
-              <a:rPr lang="en-US" altLang="en-US" sz="2400" dirty="0" smtClean="0"/>
-              <a:t>intervention - </a:t>
-            </a:r>
-            <a:r>
-              <a:rPr lang="en-US" altLang="en-US" sz="2400" dirty="0"/>
-              <a:t>expensive</a:t>
+              <a:t>IPC requires kernel intervention - expensive</a:t>
             </a:r>
           </a:p>
           <a:p>
@@ -42608,13 +42393,6 @@
   <p:clrMapOvr>
     <a:masterClrMapping/>
   </p:clrMapOvr>
-  <p:timing>
-    <p:tnLst>
-      <p:par>
-        <p:cTn id="1" dur="indefinite" restart="never" nodeType="tmRoot"/>
-      </p:par>
-    </p:tnLst>
-  </p:timing>
 </p:sld>
 </file>
 
@@ -43035,13 +42813,6 @@
   <p:clrMapOvr>
     <a:masterClrMapping/>
   </p:clrMapOvr>
-  <p:timing>
-    <p:tnLst>
-      <p:par>
-        <p:cTn id="1" dur="indefinite" restart="never" nodeType="tmRoot"/>
-      </p:par>
-    </p:tnLst>
-  </p:timing>
 </p:sld>
 </file>
 
@@ -43515,13 +43286,6 @@
   <p:clrMapOvr>
     <a:masterClrMapping/>
   </p:clrMapOvr>
-  <p:timing>
-    <p:tnLst>
-      <p:par>
-        <p:cTn id="1" dur="indefinite" restart="never" nodeType="tmRoot"/>
-      </p:par>
-    </p:tnLst>
-  </p:timing>
 </p:sld>
 </file>
 
@@ -43913,13 +43677,6 @@
   <p:clrMapOvr>
     <a:masterClrMapping/>
   </p:clrMapOvr>
-  <p:timing>
-    <p:tnLst>
-      <p:par>
-        <p:cTn id="1" dur="indefinite" restart="never" nodeType="tmRoot"/>
-      </p:par>
-    </p:tnLst>
-  </p:timing>
 </p:sld>
 </file>
 
@@ -43981,10 +43738,9 @@
           </a:p>
           <a:p>
             <a:r>
-              <a:rPr lang="en-US" sz="2400" b="0" dirty="0" smtClean="0"/>
+              <a:rPr lang="en-US" sz="2400" b="0" dirty="0"/>
               <a:t>Dependability</a:t>
             </a:r>
-            <a:endParaRPr lang="en-US" sz="2400" b="0" dirty="0"/>
           </a:p>
         </p:txBody>
       </p:sp>
@@ -44010,13 +43766,8 @@
           <a:p>
             <a:r>
               <a:rPr lang="en-US" dirty="0"/>
-              <a:t>Performance </a:t>
-            </a:r>
-            <a:r>
-              <a:rPr lang="en-US" dirty="0" smtClean="0"/>
-              <a:t>Criteria for RTS</a:t>
-            </a:r>
-            <a:endParaRPr lang="en-US" dirty="0"/>
+              <a:t>Performance Criteria for RTS</a:t>
+            </a:r>
           </a:p>
         </p:txBody>
       </p:sp>
@@ -44184,13 +43935,6 @@
   <p:clrMapOvr>
     <a:masterClrMapping/>
   </p:clrMapOvr>
-  <p:timing>
-    <p:tnLst>
-      <p:par>
-        <p:cTn id="1" dur="indefinite" restart="never" nodeType="tmRoot"/>
-      </p:par>
-    </p:tnLst>
-  </p:timing>
 </p:sld>
 </file>
 
@@ -44382,15 +44126,7 @@
           <a:p>
             <a:r>
               <a:rPr lang="en-US" sz="2000" dirty="0"/>
-              <a:t>Thread are </a:t>
-            </a:r>
-            <a:r>
-              <a:rPr lang="en-US" sz="2000" dirty="0" smtClean="0"/>
-              <a:t>designed </a:t>
-            </a:r>
-            <a:r>
-              <a:rPr lang="en-US" sz="2000" dirty="0"/>
-              <a:t>to assist one other-  processes might/not – as they originate from different users</a:t>
+              <a:t>Thread are designed to assist one other-  processes might/not – as they originate from different users</a:t>
             </a:r>
           </a:p>
           <a:p>
@@ -44583,13 +44319,6 @@
   <p:clrMapOvr>
     <a:masterClrMapping/>
   </p:clrMapOvr>
-  <p:timing>
-    <p:tnLst>
-      <p:par>
-        <p:cTn id="1" dur="indefinite" restart="never" nodeType="tmRoot"/>
-      </p:par>
-    </p:tnLst>
-  </p:timing>
 </p:sld>
 </file>
 
@@ -44893,13 +44622,6 @@
   <p:clrMapOvr>
     <a:masterClrMapping/>
   </p:clrMapOvr>
-  <p:timing>
-    <p:tnLst>
-      <p:par>
-        <p:cTn id="1" dur="indefinite" restart="never" nodeType="tmRoot"/>
-      </p:par>
-    </p:tnLst>
-  </p:timing>
 </p:sld>
 </file>
 
@@ -44943,10 +44665,9 @@
           <a:lstStyle/>
           <a:p>
             <a:r>
-              <a:rPr lang="en-IN" sz="3200" dirty="0" smtClean="0"/>
+              <a:rPr lang="en-IN" sz="3200" dirty="0"/>
               <a:t>Any Questions?</a:t>
             </a:r>
-            <a:endParaRPr lang="en-IN" sz="3200" dirty="0"/>
           </a:p>
         </p:txBody>
       </p:sp>
@@ -44997,10 +44718,9 @@
           <a:lstStyle/>
           <a:p>
             <a:r>
-              <a:rPr lang="en-IN" sz="3200" dirty="0" smtClean="0"/>
+              <a:rPr lang="en-IN" sz="3200" dirty="0"/>
               <a:t>Thank You.</a:t>
             </a:r>
-            <a:endParaRPr lang="en-IN" sz="3200" dirty="0"/>
           </a:p>
         </p:txBody>
       </p:sp>
@@ -45014,13 +44734,6 @@
   <p:clrMapOvr>
     <a:masterClrMapping/>
   </p:clrMapOvr>
-  <p:timing>
-    <p:tnLst>
-      <p:par>
-        <p:cTn id="1" dur="indefinite" restart="never" nodeType="tmRoot"/>
-      </p:par>
-    </p:tnLst>
-  </p:timing>
 </p:sld>
 </file>
 
@@ -46746,13 +46459,6 @@
   <p:clrMapOvr>
     <a:masterClrMapping/>
   </p:clrMapOvr>
-  <p:timing>
-    <p:tnLst>
-      <p:par>
-        <p:cTn id="1" dur="indefinite" restart="never" nodeType="tmRoot"/>
-      </p:par>
-    </p:tnLst>
-  </p:timing>
 </p:sld>
 </file>
 
@@ -46892,13 +46598,6 @@
   <p:clrMapOvr>
     <a:masterClrMapping/>
   </p:clrMapOvr>
-  <p:timing>
-    <p:tnLst>
-      <p:par>
-        <p:cTn id="1" dur="indefinite" restart="never" nodeType="tmRoot"/>
-      </p:par>
-    </p:tnLst>
-  </p:timing>
 </p:sld>
 </file>
 
@@ -47176,13 +46875,6 @@
   <p:clrMapOvr>
     <a:masterClrMapping/>
   </p:clrMapOvr>
-  <p:timing>
-    <p:tnLst>
-      <p:par>
-        <p:cTn id="1" dur="indefinite" restart="never" nodeType="tmRoot"/>
-      </p:par>
-    </p:tnLst>
-  </p:timing>
 </p:sld>
 </file>
 
@@ -48365,13 +48057,6 @@
   <p:clrMapOvr>
     <a:masterClrMapping/>
   </p:clrMapOvr>
-  <p:timing>
-    <p:tnLst>
-      <p:par>
-        <p:cTn id="1" dur="indefinite" restart="never" nodeType="tmRoot"/>
-      </p:par>
-    </p:tnLst>
-  </p:timing>
 </p:sld>
 </file>
 
